--- a/10(5) Практика JS. DOM, Events.pptx
+++ b/10(5) Практика JS. DOM, Events.pptx
@@ -9,27 +9,28 @@
     <p:sldId id="258" r:id="rId3"/>
     <p:sldId id="259" r:id="rId4"/>
     <p:sldId id="261" r:id="rId5"/>
-    <p:sldId id="260" r:id="rId6"/>
-    <p:sldId id="257" r:id="rId7"/>
-    <p:sldId id="263" r:id="rId8"/>
-    <p:sldId id="262" r:id="rId9"/>
-    <p:sldId id="264" r:id="rId10"/>
-    <p:sldId id="265" r:id="rId11"/>
-    <p:sldId id="266" r:id="rId12"/>
-    <p:sldId id="267" r:id="rId13"/>
-    <p:sldId id="268" r:id="rId14"/>
-    <p:sldId id="269" r:id="rId15"/>
-    <p:sldId id="271" r:id="rId16"/>
-    <p:sldId id="274" r:id="rId17"/>
-    <p:sldId id="272" r:id="rId18"/>
-    <p:sldId id="273" r:id="rId19"/>
-    <p:sldId id="275" r:id="rId20"/>
-    <p:sldId id="278" r:id="rId21"/>
-    <p:sldId id="279" r:id="rId22"/>
-    <p:sldId id="280" r:id="rId23"/>
-    <p:sldId id="281" r:id="rId24"/>
-    <p:sldId id="276" r:id="rId25"/>
-    <p:sldId id="277" r:id="rId26"/>
+    <p:sldId id="282" r:id="rId6"/>
+    <p:sldId id="260" r:id="rId7"/>
+    <p:sldId id="257" r:id="rId8"/>
+    <p:sldId id="263" r:id="rId9"/>
+    <p:sldId id="262" r:id="rId10"/>
+    <p:sldId id="264" r:id="rId11"/>
+    <p:sldId id="265" r:id="rId12"/>
+    <p:sldId id="266" r:id="rId13"/>
+    <p:sldId id="267" r:id="rId14"/>
+    <p:sldId id="268" r:id="rId15"/>
+    <p:sldId id="269" r:id="rId16"/>
+    <p:sldId id="271" r:id="rId17"/>
+    <p:sldId id="274" r:id="rId18"/>
+    <p:sldId id="272" r:id="rId19"/>
+    <p:sldId id="273" r:id="rId20"/>
+    <p:sldId id="275" r:id="rId21"/>
+    <p:sldId id="278" r:id="rId22"/>
+    <p:sldId id="279" r:id="rId23"/>
+    <p:sldId id="280" r:id="rId24"/>
+    <p:sldId id="281" r:id="rId25"/>
+    <p:sldId id="276" r:id="rId26"/>
+    <p:sldId id="277" r:id="rId27"/>
   </p:sldIdLst>
   <p:sldSz cx="12192000" cy="6858000"/>
   <p:notesSz cx="6858000" cy="9144000"/>
@@ -3577,6 +3578,163 @@
           <p:cNvPr id="2" name="Title 1">
             <a:extLst>
               <a:ext uri="{FF2B5EF4-FFF2-40B4-BE49-F238E27FC236}">
+                <a16:creationId xmlns:a16="http://schemas.microsoft.com/office/drawing/2014/main" id="{A126590F-BE0B-4029-A807-81EF111A23B0}"/>
+              </a:ext>
+            </a:extLst>
+          </p:cNvPr>
+          <p:cNvSpPr>
+            <a:spLocks noGrp="1"/>
+          </p:cNvSpPr>
+          <p:nvPr>
+            <p:ph type="title"/>
+          </p:nvPr>
+        </p:nvSpPr>
+        <p:spPr/>
+        <p:txBody>
+          <a:bodyPr/>
+          <a:lstStyle/>
+          <a:p>
+            <a:r>
+              <a:rPr lang="ru-RU" dirty="0"/>
+              <a:t>Навигация по </a:t>
+            </a:r>
+            <a:r>
+              <a:rPr lang="en-US" dirty="0"/>
+              <a:t>DOM-</a:t>
+            </a:r>
+            <a:r>
+              <a:rPr lang="ru-RU" dirty="0"/>
+              <a:t>элементам</a:t>
+            </a:r>
+            <a:br>
+              <a:rPr lang="ru-RU" dirty="0"/>
+            </a:br>
+            <a:endParaRPr lang="ru-KZ" dirty="0"/>
+          </a:p>
+        </p:txBody>
+      </p:sp>
+      <p:sp>
+        <p:nvSpPr>
+          <p:cNvPr id="3" name="Content Placeholder 2">
+            <a:extLst>
+              <a:ext uri="{FF2B5EF4-FFF2-40B4-BE49-F238E27FC236}">
+                <a16:creationId xmlns:a16="http://schemas.microsoft.com/office/drawing/2014/main" id="{1AF1C620-A559-496E-A4BD-10D5F5DBB6D6}"/>
+              </a:ext>
+            </a:extLst>
+          </p:cNvPr>
+          <p:cNvSpPr>
+            <a:spLocks noGrp="1"/>
+          </p:cNvSpPr>
+          <p:nvPr>
+            <p:ph idx="1"/>
+          </p:nvPr>
+        </p:nvSpPr>
+        <p:spPr>
+          <a:xfrm>
+            <a:off x="3823086" y="951645"/>
+            <a:ext cx="7315200" cy="4945565"/>
+          </a:xfrm>
+        </p:spPr>
+        <p:txBody>
+          <a:bodyPr>
+            <a:normAutofit/>
+          </a:bodyPr>
+          <a:lstStyle/>
+          <a:p>
+            <a:r>
+              <a:rPr lang="ru-RU" dirty="0"/>
+              <a:t>DOM позволяет нам делать что угодно с элементами и их содержимым, но для начала нужно получить соответствующий DOM-объект.</a:t>
+            </a:r>
+          </a:p>
+          <a:p>
+            <a:r>
+              <a:rPr lang="ru-RU" dirty="0"/>
+              <a:t>Все операции с DOM начинаются с объекта document. Это главная «точка входа» в DOM. Из него мы можем получить доступ к любому узлу.</a:t>
+            </a:r>
+          </a:p>
+          <a:p>
+            <a:endParaRPr lang="ru-RU" dirty="0"/>
+          </a:p>
+          <a:p>
+            <a:r>
+              <a:rPr lang="ru-RU" dirty="0"/>
+              <a:t>Самые верхние элементы дерева доступны как свойства объекта </a:t>
+            </a:r>
+            <a:r>
+              <a:rPr lang="en-US" b="1" dirty="0"/>
+              <a:t>document:</a:t>
+            </a:r>
+          </a:p>
+          <a:p>
+            <a:r>
+              <a:rPr lang="en-US" b="1" dirty="0"/>
+              <a:t>&lt;html&gt; = </a:t>
+            </a:r>
+            <a:r>
+              <a:rPr lang="en-US" b="1" dirty="0" err="1"/>
+              <a:t>document.documentElement</a:t>
+            </a:r>
+            <a:endParaRPr lang="en-US" b="1" dirty="0"/>
+          </a:p>
+          <a:p>
+            <a:r>
+              <a:rPr lang="en-US" b="1" dirty="0"/>
+              <a:t>&lt;body&gt; = </a:t>
+            </a:r>
+            <a:r>
+              <a:rPr lang="en-US" b="1" dirty="0" err="1"/>
+              <a:t>document.body</a:t>
+            </a:r>
+            <a:endParaRPr lang="en-US" b="1" dirty="0"/>
+          </a:p>
+          <a:p>
+            <a:r>
+              <a:rPr lang="en-US" b="1" dirty="0"/>
+              <a:t>&lt;head&gt; = </a:t>
+            </a:r>
+            <a:r>
+              <a:rPr lang="en-US" b="1" dirty="0" err="1"/>
+              <a:t>document.head</a:t>
+            </a:r>
+            <a:endParaRPr lang="en-US" b="1" dirty="0"/>
+          </a:p>
+        </p:txBody>
+      </p:sp>
+    </p:spTree>
+    <p:extLst>
+      <p:ext uri="{BB962C8B-B14F-4D97-AF65-F5344CB8AC3E}">
+        <p14:creationId xmlns:p14="http://schemas.microsoft.com/office/powerpoint/2010/main" val="1823023045"/>
+      </p:ext>
+    </p:extLst>
+  </p:cSld>
+  <p:clrMapOvr>
+    <a:masterClrMapping/>
+  </p:clrMapOvr>
+</p:sld>
+</file>
+
+<file path=ppt/slides/slide11.xml><?xml version="1.0" encoding="utf-8"?>
+<p:sld xmlns:a="http://schemas.openxmlformats.org/drawingml/2006/main" xmlns:r="http://schemas.openxmlformats.org/officeDocument/2006/relationships" xmlns:p="http://schemas.openxmlformats.org/presentationml/2006/main">
+  <p:cSld>
+    <p:spTree>
+      <p:nvGrpSpPr>
+        <p:cNvPr id="1" name=""/>
+        <p:cNvGrpSpPr/>
+        <p:nvPr/>
+      </p:nvGrpSpPr>
+      <p:grpSpPr>
+        <a:xfrm>
+          <a:off x="0" y="0"/>
+          <a:ext cx="0" cy="0"/>
+          <a:chOff x="0" y="0"/>
+          <a:chExt cx="0" cy="0"/>
+        </a:xfrm>
+      </p:grpSpPr>
+      <p:sp>
+        <p:nvSpPr>
+          <p:cNvPr id="2" name="Title 1">
+            <a:extLst>
+              <a:ext uri="{FF2B5EF4-FFF2-40B4-BE49-F238E27FC236}">
                 <a16:creationId xmlns:a16="http://schemas.microsoft.com/office/drawing/2014/main" id="{01B90DFB-83D8-4E23-A937-7FC8338DCB47}"/>
               </a:ext>
             </a:extLst>
@@ -3763,7 +3921,7 @@
 </p:sld>
 </file>
 
-<file path=ppt/slides/slide11.xml><?xml version="1.0" encoding="utf-8"?>
+<file path=ppt/slides/slide12.xml><?xml version="1.0" encoding="utf-8"?>
 <p:sld xmlns:a="http://schemas.openxmlformats.org/drawingml/2006/main" xmlns:r="http://schemas.openxmlformats.org/officeDocument/2006/relationships" xmlns:p="http://schemas.openxmlformats.org/presentationml/2006/main">
   <p:cSld>
     <p:spTree>
@@ -3873,135 +4031,6 @@
 </p:sld>
 </file>
 
-<file path=ppt/slides/slide12.xml><?xml version="1.0" encoding="utf-8"?>
-<p:sld xmlns:a="http://schemas.openxmlformats.org/drawingml/2006/main" xmlns:r="http://schemas.openxmlformats.org/officeDocument/2006/relationships" xmlns:p="http://schemas.openxmlformats.org/presentationml/2006/main">
-  <p:cSld>
-    <p:spTree>
-      <p:nvGrpSpPr>
-        <p:cNvPr id="1" name=""/>
-        <p:cNvGrpSpPr/>
-        <p:nvPr/>
-      </p:nvGrpSpPr>
-      <p:grpSpPr>
-        <a:xfrm>
-          <a:off x="0" y="0"/>
-          <a:ext cx="0" cy="0"/>
-          <a:chOff x="0" y="0"/>
-          <a:chExt cx="0" cy="0"/>
-        </a:xfrm>
-      </p:grpSpPr>
-      <p:sp>
-        <p:nvSpPr>
-          <p:cNvPr id="2" name="Title 1">
-            <a:extLst>
-              <a:ext uri="{FF2B5EF4-FFF2-40B4-BE49-F238E27FC236}">
-                <a16:creationId xmlns:a16="http://schemas.microsoft.com/office/drawing/2014/main" id="{51F094FF-9361-4DC9-9AE4-F82DBE722541}"/>
-              </a:ext>
-            </a:extLst>
-          </p:cNvPr>
-          <p:cNvSpPr>
-            <a:spLocks noGrp="1"/>
-          </p:cNvSpPr>
-          <p:nvPr>
-            <p:ph type="title"/>
-          </p:nvPr>
-        </p:nvSpPr>
-        <p:spPr>
-          <a:xfrm>
-            <a:off x="0" y="1003764"/>
-            <a:ext cx="3417455" cy="4601183"/>
-          </a:xfrm>
-        </p:spPr>
-        <p:txBody>
-          <a:bodyPr/>
-          <a:lstStyle/>
-          <a:p>
-            <a:r>
-              <a:rPr lang="en-US" b="1" dirty="0" err="1"/>
-              <a:t>querySelectorAll</a:t>
-            </a:r>
-            <a:endParaRPr lang="ru-KZ" b="1" dirty="0"/>
-          </a:p>
-        </p:txBody>
-      </p:sp>
-      <p:sp>
-        <p:nvSpPr>
-          <p:cNvPr id="3" name="Content Placeholder 2">
-            <a:extLst>
-              <a:ext uri="{FF2B5EF4-FFF2-40B4-BE49-F238E27FC236}">
-                <a16:creationId xmlns:a16="http://schemas.microsoft.com/office/drawing/2014/main" id="{4AA6C768-23AC-41C5-9EBA-419FF4105302}"/>
-              </a:ext>
-            </a:extLst>
-          </p:cNvPr>
-          <p:cNvSpPr>
-            <a:spLocks noGrp="1"/>
-          </p:cNvSpPr>
-          <p:nvPr>
-            <p:ph idx="1"/>
-          </p:nvPr>
-        </p:nvSpPr>
-        <p:spPr/>
-        <p:txBody>
-          <a:bodyPr anchor="t"/>
-          <a:lstStyle/>
-          <a:p>
-            <a:r>
-              <a:rPr lang="ru-RU" dirty="0"/>
-              <a:t>Самый универсальный метод поиска – это </a:t>
-            </a:r>
-            <a:r>
-              <a:rPr lang="en-US" b="1" u="sng" dirty="0"/>
-              <a:t>document</a:t>
-            </a:r>
-            <a:r>
-              <a:rPr lang="ru-RU" b="1" u="sng" dirty="0"/>
-              <a:t>.querySelectorAll(css), </a:t>
-            </a:r>
-            <a:r>
-              <a:rPr lang="ru-RU" dirty="0"/>
-              <a:t>он возвращает все элементы внутри </a:t>
-            </a:r>
-            <a:r>
-              <a:rPr lang="en-US" b="1" dirty="0"/>
-              <a:t>document</a:t>
-            </a:r>
-            <a:r>
-              <a:rPr lang="ru-RU" dirty="0"/>
-              <a:t>, удовлетворяющие данному CSS-селектору.</a:t>
-            </a:r>
-          </a:p>
-          <a:p>
-            <a:r>
-              <a:rPr lang="ru-RU" b="1" u="sng" dirty="0"/>
-              <a:t>Вместо </a:t>
-            </a:r>
-            <a:r>
-              <a:rPr lang="en-US" b="1" i="1" u="sng" dirty="0"/>
-              <a:t>document</a:t>
-            </a:r>
-            <a:r>
-              <a:rPr lang="ru-RU" b="1" u="sng" dirty="0"/>
-              <a:t> может быть любой обьект, в котором нужно искать!</a:t>
-            </a:r>
-          </a:p>
-          <a:p>
-            <a:endParaRPr lang="ru-KZ" b="1" u="sng" dirty="0"/>
-          </a:p>
-        </p:txBody>
-      </p:sp>
-    </p:spTree>
-    <p:extLst>
-      <p:ext uri="{BB962C8B-B14F-4D97-AF65-F5344CB8AC3E}">
-        <p14:creationId xmlns:p14="http://schemas.microsoft.com/office/powerpoint/2010/main" val="1430323738"/>
-      </p:ext>
-    </p:extLst>
-  </p:cSld>
-  <p:clrMapOvr>
-    <a:masterClrMapping/>
-  </p:clrMapOvr>
-</p:sld>
-</file>
-
 <file path=ppt/slides/slide13.xml><?xml version="1.0" encoding="utf-8"?>
 <p:sld xmlns:a="http://schemas.openxmlformats.org/drawingml/2006/main" xmlns:r="http://schemas.openxmlformats.org/officeDocument/2006/relationships" xmlns:p="http://schemas.openxmlformats.org/presentationml/2006/main">
   <p:cSld>
@@ -4024,7 +4053,7 @@
           <p:cNvPr id="2" name="Title 1">
             <a:extLst>
               <a:ext uri="{FF2B5EF4-FFF2-40B4-BE49-F238E27FC236}">
-                <a16:creationId xmlns:a16="http://schemas.microsoft.com/office/drawing/2014/main" id="{0E38475D-AD50-4431-BDF5-FCF9EA4205A7}"/>
+                <a16:creationId xmlns:a16="http://schemas.microsoft.com/office/drawing/2014/main" id="{51F094FF-9361-4DC9-9AE4-F82DBE722541}"/>
               </a:ext>
             </a:extLst>
           </p:cNvPr>
@@ -4037,8 +4066,8 @@
         </p:nvSpPr>
         <p:spPr>
           <a:xfrm>
-            <a:off x="0" y="1123837"/>
-            <a:ext cx="3371273" cy="4601183"/>
+            <a:off x="0" y="1003764"/>
+            <a:ext cx="3417455" cy="4601183"/>
           </a:xfrm>
         </p:spPr>
         <p:txBody>
@@ -4046,10 +4075,10 @@
           <a:lstStyle/>
           <a:p>
             <a:r>
-              <a:rPr lang="ru-RU" dirty="0"/>
-              <a:t>Методы поиска</a:t>
-            </a:r>
-            <a:endParaRPr lang="ru-KZ" dirty="0"/>
+              <a:rPr lang="en-US" b="1" dirty="0" err="1"/>
+              <a:t>querySelectorAll</a:t>
+            </a:r>
+            <a:endParaRPr lang="ru-KZ" b="1" dirty="0"/>
           </a:p>
         </p:txBody>
       </p:sp>
@@ -4058,7 +4087,7 @@
           <p:cNvPr id="3" name="Content Placeholder 2">
             <a:extLst>
               <a:ext uri="{FF2B5EF4-FFF2-40B4-BE49-F238E27FC236}">
-                <a16:creationId xmlns:a16="http://schemas.microsoft.com/office/drawing/2014/main" id="{C656F0E9-CB54-4A3C-AA8C-721AB24DDB26}"/>
+                <a16:creationId xmlns:a16="http://schemas.microsoft.com/office/drawing/2014/main" id="{4AA6C768-23AC-41C5-9EBA-419FF4105302}"/>
               </a:ext>
             </a:extLst>
           </p:cNvPr>
@@ -4071,101 +4100,57 @@
         </p:nvSpPr>
         <p:spPr/>
         <p:txBody>
-          <a:bodyPr/>
+          <a:bodyPr anchor="t"/>
           <a:lstStyle/>
           <a:p>
             <a:r>
-              <a:rPr lang="en-US" b="1" u="sng" dirty="0" err="1"/>
-              <a:t>getElementById</a:t>
-            </a:r>
-            <a:r>
-              <a:rPr lang="en-US" dirty="0"/>
-              <a:t> — </a:t>
-            </a:r>
-            <a:r>
               <a:rPr lang="ru-RU" dirty="0"/>
-              <a:t>поиск элемента по идентификатору;</a:t>
-            </a:r>
-          </a:p>
-          <a:p>
-            <a:r>
-              <a:rPr lang="en-US" b="1" u="sng" dirty="0" err="1"/>
-              <a:t>getElementsByClassName</a:t>
-            </a:r>
-            <a:r>
-              <a:rPr lang="en-US" dirty="0"/>
-              <a:t> — </a:t>
+              <a:t>Самый универсальный метод поиска – это </a:t>
+            </a:r>
+            <a:r>
+              <a:rPr lang="en-US" b="1" u="sng" dirty="0"/>
+              <a:t>document</a:t>
+            </a:r>
+            <a:r>
+              <a:rPr lang="ru-RU" b="1" u="sng" dirty="0"/>
+              <a:t>.querySelectorAll(css), </a:t>
             </a:r>
             <a:r>
               <a:rPr lang="ru-RU" dirty="0"/>
-              <a:t>поиск элементов по названию класса;</a:t>
-            </a:r>
-          </a:p>
-          <a:p>
-            <a:r>
-              <a:rPr lang="en-US" b="1" u="sng" dirty="0" err="1"/>
-              <a:t>getElementsByTagName</a:t>
-            </a:r>
-            <a:r>
-              <a:rPr lang="en-US" dirty="0"/>
-              <a:t> — </a:t>
+              <a:t>он возвращает все элементы внутри </a:t>
+            </a:r>
+            <a:r>
+              <a:rPr lang="en-US" b="1" dirty="0"/>
+              <a:t>document</a:t>
             </a:r>
             <a:r>
               <a:rPr lang="ru-RU" dirty="0"/>
-              <a:t>поиск элементов по названию тега;</a:t>
-            </a:r>
-          </a:p>
-          <a:p>
-            <a:r>
-              <a:rPr lang="en-US" b="1" u="sng" dirty="0" err="1"/>
-              <a:t>querySelector</a:t>
-            </a:r>
-            <a:r>
-              <a:rPr lang="en-US" dirty="0"/>
-              <a:t> — </a:t>
-            </a:r>
-            <a:r>
-              <a:rPr lang="ru-RU" dirty="0"/>
-              <a:t>поиск первого элемента, подходящего под </a:t>
-            </a:r>
-            <a:r>
-              <a:rPr lang="en-US" dirty="0"/>
-              <a:t>CSS-</a:t>
-            </a:r>
-            <a:r>
-              <a:rPr lang="ru-RU" dirty="0"/>
-              <a:t>селектор;</a:t>
-            </a:r>
-          </a:p>
-          <a:p>
-            <a:r>
-              <a:rPr lang="en-US" b="1" u="sng" dirty="0" err="1"/>
-              <a:t>querySelectorAll</a:t>
-            </a:r>
-            <a:r>
-              <a:rPr lang="en-US" dirty="0"/>
-              <a:t> — </a:t>
-            </a:r>
-            <a:r>
-              <a:rPr lang="ru-RU" dirty="0"/>
-              <a:t>поиск всех элементов подходящих под </a:t>
-            </a:r>
-            <a:r>
-              <a:rPr lang="en-US" dirty="0"/>
-              <a:t>CSS-</a:t>
-            </a:r>
-            <a:r>
-              <a:rPr lang="ru-RU" dirty="0"/>
-              <a:t>селектор.</a:t>
-            </a:r>
-            <a:endParaRPr lang="ru-KZ" dirty="0"/>
+              <a:t>, удовлетворяющие данному CSS-селектору.</a:t>
+            </a:r>
+          </a:p>
+          <a:p>
+            <a:r>
+              <a:rPr lang="ru-RU" b="1" u="sng" dirty="0"/>
+              <a:t>Вместо </a:t>
+            </a:r>
+            <a:r>
+              <a:rPr lang="en-US" b="1" i="1" u="sng" dirty="0"/>
+              <a:t>document</a:t>
+            </a:r>
+            <a:r>
+              <a:rPr lang="ru-RU" b="1" u="sng" dirty="0"/>
+              <a:t> может быть любой обьект, в котором нужно искать!</a:t>
+            </a:r>
+          </a:p>
+          <a:p>
+            <a:endParaRPr lang="ru-KZ" b="1" u="sng" dirty="0"/>
           </a:p>
         </p:txBody>
       </p:sp>
     </p:spTree>
     <p:extLst>
       <p:ext uri="{BB962C8B-B14F-4D97-AF65-F5344CB8AC3E}">
-        <p14:creationId xmlns:p14="http://schemas.microsoft.com/office/powerpoint/2010/main" val="3448788005"/>
+        <p14:creationId xmlns:p14="http://schemas.microsoft.com/office/powerpoint/2010/main" val="1430323738"/>
       </p:ext>
     </p:extLst>
   </p:cSld>
@@ -4197,6 +4182,179 @@
           <p:cNvPr id="2" name="Title 1">
             <a:extLst>
               <a:ext uri="{FF2B5EF4-FFF2-40B4-BE49-F238E27FC236}">
+                <a16:creationId xmlns:a16="http://schemas.microsoft.com/office/drawing/2014/main" id="{0E38475D-AD50-4431-BDF5-FCF9EA4205A7}"/>
+              </a:ext>
+            </a:extLst>
+          </p:cNvPr>
+          <p:cNvSpPr>
+            <a:spLocks noGrp="1"/>
+          </p:cNvSpPr>
+          <p:nvPr>
+            <p:ph type="title"/>
+          </p:nvPr>
+        </p:nvSpPr>
+        <p:spPr>
+          <a:xfrm>
+            <a:off x="0" y="1123837"/>
+            <a:ext cx="3371273" cy="4601183"/>
+          </a:xfrm>
+        </p:spPr>
+        <p:txBody>
+          <a:bodyPr/>
+          <a:lstStyle/>
+          <a:p>
+            <a:r>
+              <a:rPr lang="ru-RU" dirty="0"/>
+              <a:t>Методы поиска</a:t>
+            </a:r>
+            <a:endParaRPr lang="ru-KZ" dirty="0"/>
+          </a:p>
+        </p:txBody>
+      </p:sp>
+      <p:sp>
+        <p:nvSpPr>
+          <p:cNvPr id="3" name="Content Placeholder 2">
+            <a:extLst>
+              <a:ext uri="{FF2B5EF4-FFF2-40B4-BE49-F238E27FC236}">
+                <a16:creationId xmlns:a16="http://schemas.microsoft.com/office/drawing/2014/main" id="{C656F0E9-CB54-4A3C-AA8C-721AB24DDB26}"/>
+              </a:ext>
+            </a:extLst>
+          </p:cNvPr>
+          <p:cNvSpPr>
+            <a:spLocks noGrp="1"/>
+          </p:cNvSpPr>
+          <p:nvPr>
+            <p:ph idx="1"/>
+          </p:nvPr>
+        </p:nvSpPr>
+        <p:spPr/>
+        <p:txBody>
+          <a:bodyPr/>
+          <a:lstStyle/>
+          <a:p>
+            <a:r>
+              <a:rPr lang="en-US" b="1" u="sng" dirty="0" err="1"/>
+              <a:t>getElementById</a:t>
+            </a:r>
+            <a:r>
+              <a:rPr lang="en-US" dirty="0"/>
+              <a:t> — </a:t>
+            </a:r>
+            <a:r>
+              <a:rPr lang="ru-RU" dirty="0"/>
+              <a:t>поиск элемента по идентификатору;</a:t>
+            </a:r>
+          </a:p>
+          <a:p>
+            <a:r>
+              <a:rPr lang="en-US" b="1" u="sng" dirty="0" err="1"/>
+              <a:t>getElementsByClassName</a:t>
+            </a:r>
+            <a:r>
+              <a:rPr lang="en-US" dirty="0"/>
+              <a:t> — </a:t>
+            </a:r>
+            <a:r>
+              <a:rPr lang="ru-RU" dirty="0"/>
+              <a:t>поиск элементов по названию класса;</a:t>
+            </a:r>
+          </a:p>
+          <a:p>
+            <a:r>
+              <a:rPr lang="en-US" b="1" u="sng" dirty="0" err="1"/>
+              <a:t>getElementsByTagName</a:t>
+            </a:r>
+            <a:r>
+              <a:rPr lang="en-US" dirty="0"/>
+              <a:t> — </a:t>
+            </a:r>
+            <a:r>
+              <a:rPr lang="ru-RU" dirty="0"/>
+              <a:t>поиск элементов по названию тега;</a:t>
+            </a:r>
+          </a:p>
+          <a:p>
+            <a:r>
+              <a:rPr lang="en-US" b="1" u="sng" dirty="0" err="1"/>
+              <a:t>querySelector</a:t>
+            </a:r>
+            <a:r>
+              <a:rPr lang="en-US" dirty="0"/>
+              <a:t> — </a:t>
+            </a:r>
+            <a:r>
+              <a:rPr lang="ru-RU" dirty="0"/>
+              <a:t>поиск первого элемента, подходящего под </a:t>
+            </a:r>
+            <a:r>
+              <a:rPr lang="en-US" dirty="0"/>
+              <a:t>CSS-</a:t>
+            </a:r>
+            <a:r>
+              <a:rPr lang="ru-RU" dirty="0"/>
+              <a:t>селектор;</a:t>
+            </a:r>
+          </a:p>
+          <a:p>
+            <a:r>
+              <a:rPr lang="en-US" b="1" u="sng" dirty="0" err="1"/>
+              <a:t>querySelectorAll</a:t>
+            </a:r>
+            <a:r>
+              <a:rPr lang="en-US" dirty="0"/>
+              <a:t> — </a:t>
+            </a:r>
+            <a:r>
+              <a:rPr lang="ru-RU" dirty="0"/>
+              <a:t>поиск всех элементов подходящих под </a:t>
+            </a:r>
+            <a:r>
+              <a:rPr lang="en-US" dirty="0"/>
+              <a:t>CSS-</a:t>
+            </a:r>
+            <a:r>
+              <a:rPr lang="ru-RU" dirty="0"/>
+              <a:t>селектор.</a:t>
+            </a:r>
+            <a:endParaRPr lang="ru-KZ" dirty="0"/>
+          </a:p>
+        </p:txBody>
+      </p:sp>
+    </p:spTree>
+    <p:extLst>
+      <p:ext uri="{BB962C8B-B14F-4D97-AF65-F5344CB8AC3E}">
+        <p14:creationId xmlns:p14="http://schemas.microsoft.com/office/powerpoint/2010/main" val="3448788005"/>
+      </p:ext>
+    </p:extLst>
+  </p:cSld>
+  <p:clrMapOvr>
+    <a:masterClrMapping/>
+  </p:clrMapOvr>
+</p:sld>
+</file>
+
+<file path=ppt/slides/slide15.xml><?xml version="1.0" encoding="utf-8"?>
+<p:sld xmlns:a="http://schemas.openxmlformats.org/drawingml/2006/main" xmlns:r="http://schemas.openxmlformats.org/officeDocument/2006/relationships" xmlns:p="http://schemas.openxmlformats.org/presentationml/2006/main">
+  <p:cSld>
+    <p:spTree>
+      <p:nvGrpSpPr>
+        <p:cNvPr id="1" name=""/>
+        <p:cNvGrpSpPr/>
+        <p:nvPr/>
+      </p:nvGrpSpPr>
+      <p:grpSpPr>
+        <a:xfrm>
+          <a:off x="0" y="0"/>
+          <a:ext cx="0" cy="0"/>
+          <a:chOff x="0" y="0"/>
+          <a:chExt cx="0" cy="0"/>
+        </a:xfrm>
+      </p:grpSpPr>
+      <p:sp>
+        <p:nvSpPr>
+          <p:cNvPr id="2" name="Title 1">
+            <a:extLst>
+              <a:ext uri="{FF2B5EF4-FFF2-40B4-BE49-F238E27FC236}">
                 <a16:creationId xmlns:a16="http://schemas.microsoft.com/office/drawing/2014/main" id="{295E3665-41DE-4811-93A8-1DDAB3AC2039}"/>
               </a:ext>
             </a:extLst>
@@ -4281,7 +4439,7 @@
 </p:sld>
 </file>
 
-<file path=ppt/slides/slide15.xml><?xml version="1.0" encoding="utf-8"?>
+<file path=ppt/slides/slide16.xml><?xml version="1.0" encoding="utf-8"?>
 <p:sld xmlns:a="http://schemas.openxmlformats.org/drawingml/2006/main" xmlns:r="http://schemas.openxmlformats.org/officeDocument/2006/relationships" xmlns:p="http://schemas.openxmlformats.org/presentationml/2006/main">
   <p:cSld>
     <p:spTree>
@@ -4509,7 +4667,7 @@
 </p:sld>
 </file>
 
-<file path=ppt/slides/slide16.xml><?xml version="1.0" encoding="utf-8"?>
+<file path=ppt/slides/slide17.xml><?xml version="1.0" encoding="utf-8"?>
 <p:sld xmlns:a="http://schemas.openxmlformats.org/drawingml/2006/main" xmlns:r="http://schemas.openxmlformats.org/officeDocument/2006/relationships" xmlns:p="http://schemas.openxmlformats.org/presentationml/2006/main">
   <p:cSld>
     <p:spTree>
@@ -4636,7 +4794,7 @@
 </p:sld>
 </file>
 
-<file path=ppt/slides/slide17.xml><?xml version="1.0" encoding="utf-8"?>
+<file path=ppt/slides/slide18.xml><?xml version="1.0" encoding="utf-8"?>
 <p:sld xmlns:a="http://schemas.openxmlformats.org/drawingml/2006/main" xmlns:r="http://schemas.openxmlformats.org/officeDocument/2006/relationships" xmlns:p="http://schemas.openxmlformats.org/presentationml/2006/main">
   <p:cSld>
     <p:spTree>
@@ -5059,7 +5217,7 @@
 </p:sld>
 </file>
 
-<file path=ppt/slides/slide18.xml><?xml version="1.0" encoding="utf-8"?>
+<file path=ppt/slides/slide19.xml><?xml version="1.0" encoding="utf-8"?>
 <p:sld xmlns:a="http://schemas.openxmlformats.org/drawingml/2006/main" xmlns:r="http://schemas.openxmlformats.org/officeDocument/2006/relationships" xmlns:p="http://schemas.openxmlformats.org/presentationml/2006/main">
   <p:cSld>
     <p:spTree>
@@ -5212,110 +5370,6 @@
 </p:sld>
 </file>
 
-<file path=ppt/slides/slide19.xml><?xml version="1.0" encoding="utf-8"?>
-<p:sld xmlns:a="http://schemas.openxmlformats.org/drawingml/2006/main" xmlns:r="http://schemas.openxmlformats.org/officeDocument/2006/relationships" xmlns:p="http://schemas.openxmlformats.org/presentationml/2006/main">
-  <p:cSld>
-    <p:spTree>
-      <p:nvGrpSpPr>
-        <p:cNvPr id="1" name=""/>
-        <p:cNvGrpSpPr/>
-        <p:nvPr/>
-      </p:nvGrpSpPr>
-      <p:grpSpPr>
-        <a:xfrm>
-          <a:off x="0" y="0"/>
-          <a:ext cx="0" cy="0"/>
-          <a:chOff x="0" y="0"/>
-          <a:chExt cx="0" cy="0"/>
-        </a:xfrm>
-      </p:grpSpPr>
-      <p:sp>
-        <p:nvSpPr>
-          <p:cNvPr id="2" name="Title 1">
-            <a:extLst>
-              <a:ext uri="{FF2B5EF4-FFF2-40B4-BE49-F238E27FC236}">
-                <a16:creationId xmlns:a16="http://schemas.microsoft.com/office/drawing/2014/main" id="{8393CE78-6485-4116-977E-96FF0BAEE2C3}"/>
-              </a:ext>
-            </a:extLst>
-          </p:cNvPr>
-          <p:cNvSpPr>
-            <a:spLocks noGrp="1"/>
-          </p:cNvSpPr>
-          <p:nvPr>
-            <p:ph type="title"/>
-          </p:nvPr>
-        </p:nvSpPr>
-        <p:spPr/>
-        <p:txBody>
-          <a:bodyPr/>
-          <a:lstStyle/>
-          <a:p>
-            <a:endParaRPr lang="ru-KZ"/>
-          </a:p>
-        </p:txBody>
-      </p:sp>
-      <p:pic>
-        <p:nvPicPr>
-          <p:cNvPr id="17416" name="Picture 8" descr="What is The Difference Between innerHTML and outerHTML">
-            <a:extLst>
-              <a:ext uri="{FF2B5EF4-FFF2-40B4-BE49-F238E27FC236}">
-                <a16:creationId xmlns:a16="http://schemas.microsoft.com/office/drawing/2014/main" id="{56B3714F-E9E7-4EC2-AD68-61FBFEB6D8CD}"/>
-              </a:ext>
-            </a:extLst>
-          </p:cNvPr>
-          <p:cNvPicPr>
-            <a:picLocks noGrp="1" noChangeAspect="1" noChangeArrowheads="1"/>
-          </p:cNvPicPr>
-          <p:nvPr>
-            <p:ph idx="1"/>
-          </p:nvPr>
-        </p:nvPicPr>
-        <p:blipFill>
-          <a:blip r:embed="rId2">
-            <a:extLst>
-              <a:ext uri="{28A0092B-C50C-407E-A947-70E740481C1C}">
-                <a14:useLocalDpi xmlns:a14="http://schemas.microsoft.com/office/drawing/2010/main" val="0"/>
-              </a:ext>
-            </a:extLst>
-          </a:blip>
-          <a:srcRect/>
-          <a:stretch>
-            <a:fillRect/>
-          </a:stretch>
-        </p:blipFill>
-        <p:spPr bwMode="auto">
-          <a:xfrm>
-            <a:off x="3868738" y="1162339"/>
-            <a:ext cx="7315200" cy="4523797"/>
-          </a:xfrm>
-          <a:prstGeom prst="rect">
-            <a:avLst/>
-          </a:prstGeom>
-          <a:noFill/>
-          <a:extLst>
-            <a:ext uri="{909E8E84-426E-40DD-AFC4-6F175D3DCCD1}">
-              <a14:hiddenFill xmlns:a14="http://schemas.microsoft.com/office/drawing/2010/main">
-                <a:solidFill>
-                  <a:srgbClr val="FFFFFF"/>
-                </a:solidFill>
-              </a14:hiddenFill>
-            </a:ext>
-          </a:extLst>
-        </p:spPr>
-      </p:pic>
-    </p:spTree>
-    <p:extLst>
-      <p:ext uri="{BB962C8B-B14F-4D97-AF65-F5344CB8AC3E}">
-        <p14:creationId xmlns:p14="http://schemas.microsoft.com/office/powerpoint/2010/main" val="3807850835"/>
-      </p:ext>
-    </p:extLst>
-  </p:cSld>
-  <p:clrMapOvr>
-    <a:masterClrMapping/>
-  </p:clrMapOvr>
-</p:sld>
-</file>
-
 <file path=ppt/slides/slide2.xml><?xml version="1.0" encoding="utf-8"?>
 <p:sld xmlns:a="http://schemas.openxmlformats.org/drawingml/2006/main" xmlns:r="http://schemas.openxmlformats.org/officeDocument/2006/relationships" xmlns:p="http://schemas.openxmlformats.org/presentationml/2006/main">
   <p:cSld>
@@ -5459,6 +5513,110 @@
           <p:cNvPr id="2" name="Title 1">
             <a:extLst>
               <a:ext uri="{FF2B5EF4-FFF2-40B4-BE49-F238E27FC236}">
+                <a16:creationId xmlns:a16="http://schemas.microsoft.com/office/drawing/2014/main" id="{8393CE78-6485-4116-977E-96FF0BAEE2C3}"/>
+              </a:ext>
+            </a:extLst>
+          </p:cNvPr>
+          <p:cNvSpPr>
+            <a:spLocks noGrp="1"/>
+          </p:cNvSpPr>
+          <p:nvPr>
+            <p:ph type="title"/>
+          </p:nvPr>
+        </p:nvSpPr>
+        <p:spPr/>
+        <p:txBody>
+          <a:bodyPr/>
+          <a:lstStyle/>
+          <a:p>
+            <a:endParaRPr lang="ru-KZ"/>
+          </a:p>
+        </p:txBody>
+      </p:sp>
+      <p:pic>
+        <p:nvPicPr>
+          <p:cNvPr id="17416" name="Picture 8" descr="What is The Difference Between innerHTML and outerHTML">
+            <a:extLst>
+              <a:ext uri="{FF2B5EF4-FFF2-40B4-BE49-F238E27FC236}">
+                <a16:creationId xmlns:a16="http://schemas.microsoft.com/office/drawing/2014/main" id="{56B3714F-E9E7-4EC2-AD68-61FBFEB6D8CD}"/>
+              </a:ext>
+            </a:extLst>
+          </p:cNvPr>
+          <p:cNvPicPr>
+            <a:picLocks noGrp="1" noChangeAspect="1" noChangeArrowheads="1"/>
+          </p:cNvPicPr>
+          <p:nvPr>
+            <p:ph idx="1"/>
+          </p:nvPr>
+        </p:nvPicPr>
+        <p:blipFill>
+          <a:blip r:embed="rId2">
+            <a:extLst>
+              <a:ext uri="{28A0092B-C50C-407E-A947-70E740481C1C}">
+                <a14:useLocalDpi xmlns:a14="http://schemas.microsoft.com/office/drawing/2010/main" val="0"/>
+              </a:ext>
+            </a:extLst>
+          </a:blip>
+          <a:srcRect/>
+          <a:stretch>
+            <a:fillRect/>
+          </a:stretch>
+        </p:blipFill>
+        <p:spPr bwMode="auto">
+          <a:xfrm>
+            <a:off x="3868738" y="1162339"/>
+            <a:ext cx="7315200" cy="4523797"/>
+          </a:xfrm>
+          <a:prstGeom prst="rect">
+            <a:avLst/>
+          </a:prstGeom>
+          <a:noFill/>
+          <a:extLst>
+            <a:ext uri="{909E8E84-426E-40DD-AFC4-6F175D3DCCD1}">
+              <a14:hiddenFill xmlns:a14="http://schemas.microsoft.com/office/drawing/2010/main">
+                <a:solidFill>
+                  <a:srgbClr val="FFFFFF"/>
+                </a:solidFill>
+              </a14:hiddenFill>
+            </a:ext>
+          </a:extLst>
+        </p:spPr>
+      </p:pic>
+    </p:spTree>
+    <p:extLst>
+      <p:ext uri="{BB962C8B-B14F-4D97-AF65-F5344CB8AC3E}">
+        <p14:creationId xmlns:p14="http://schemas.microsoft.com/office/powerpoint/2010/main" val="3807850835"/>
+      </p:ext>
+    </p:extLst>
+  </p:cSld>
+  <p:clrMapOvr>
+    <a:masterClrMapping/>
+  </p:clrMapOvr>
+</p:sld>
+</file>
+
+<file path=ppt/slides/slide21.xml><?xml version="1.0" encoding="utf-8"?>
+<p:sld xmlns:a="http://schemas.openxmlformats.org/drawingml/2006/main" xmlns:r="http://schemas.openxmlformats.org/officeDocument/2006/relationships" xmlns:p="http://schemas.openxmlformats.org/presentationml/2006/main">
+  <p:cSld>
+    <p:spTree>
+      <p:nvGrpSpPr>
+        <p:cNvPr id="1" name=""/>
+        <p:cNvGrpSpPr/>
+        <p:nvPr/>
+      </p:nvGrpSpPr>
+      <p:grpSpPr>
+        <a:xfrm>
+          <a:off x="0" y="0"/>
+          <a:ext cx="0" cy="0"/>
+          <a:chOff x="0" y="0"/>
+          <a:chExt cx="0" cy="0"/>
+        </a:xfrm>
+      </p:grpSpPr>
+      <p:sp>
+        <p:nvSpPr>
+          <p:cNvPr id="2" name="Title 1">
+            <a:extLst>
+              <a:ext uri="{FF2B5EF4-FFF2-40B4-BE49-F238E27FC236}">
                 <a16:creationId xmlns:a16="http://schemas.microsoft.com/office/drawing/2014/main" id="{0884B256-13F8-4EC2-8772-BCACA0FFDC57}"/>
               </a:ext>
             </a:extLst>
@@ -5565,7 +5723,7 @@
 </p:sld>
 </file>
 
-<file path=ppt/slides/slide21.xml><?xml version="1.0" encoding="utf-8"?>
+<file path=ppt/slides/slide22.xml><?xml version="1.0" encoding="utf-8"?>
 <p:sld xmlns:a="http://schemas.openxmlformats.org/drawingml/2006/main" xmlns:r="http://schemas.openxmlformats.org/officeDocument/2006/relationships" xmlns:p="http://schemas.openxmlformats.org/presentationml/2006/main">
   <p:cSld>
     <p:spTree>
@@ -5715,7 +5873,7 @@
 </p:sld>
 </file>
 
-<file path=ppt/slides/slide22.xml><?xml version="1.0" encoding="utf-8"?>
+<file path=ppt/slides/slide23.xml><?xml version="1.0" encoding="utf-8"?>
 <p:sld xmlns:a="http://schemas.openxmlformats.org/drawingml/2006/main" xmlns:r="http://schemas.openxmlformats.org/officeDocument/2006/relationships" xmlns:p="http://schemas.openxmlformats.org/presentationml/2006/main">
   <p:cSld>
     <p:spTree>
@@ -5869,7 +6027,7 @@
 </p:sld>
 </file>
 
-<file path=ppt/slides/slide23.xml><?xml version="1.0" encoding="utf-8"?>
+<file path=ppt/slides/slide24.xml><?xml version="1.0" encoding="utf-8"?>
 <p:sld xmlns:a="http://schemas.openxmlformats.org/drawingml/2006/main" xmlns:r="http://schemas.openxmlformats.org/officeDocument/2006/relationships" xmlns:p="http://schemas.openxmlformats.org/presentationml/2006/main">
   <p:cSld>
     <p:spTree>
@@ -7923,7 +8081,7 @@
 </p:sld>
 </file>
 
-<file path=ppt/slides/slide24.xml><?xml version="1.0" encoding="utf-8"?>
+<file path=ppt/slides/slide25.xml><?xml version="1.0" encoding="utf-8"?>
 <p:sld xmlns:a="http://schemas.openxmlformats.org/drawingml/2006/main" xmlns:r="http://schemas.openxmlformats.org/officeDocument/2006/relationships" xmlns:p="http://schemas.openxmlformats.org/presentationml/2006/main">
   <p:cSld>
     <p:spTree>
@@ -8118,7 +8276,7 @@
 </p:sld>
 </file>
 
-<file path=ppt/slides/slide25.xml><?xml version="1.0" encoding="utf-8"?>
+<file path=ppt/slides/slide26.xml><?xml version="1.0" encoding="utf-8"?>
 <p:sld xmlns:a="http://schemas.openxmlformats.org/drawingml/2006/main" xmlns:r="http://schemas.openxmlformats.org/officeDocument/2006/relationships" xmlns:p="http://schemas.openxmlformats.org/presentationml/2006/main">
   <p:cSld>
     <p:spTree>
@@ -8600,6 +8758,132 @@
           <p:cNvPr id="2" name="Title 1">
             <a:extLst>
               <a:ext uri="{FF2B5EF4-FFF2-40B4-BE49-F238E27FC236}">
+                <a16:creationId xmlns:a16="http://schemas.microsoft.com/office/drawing/2014/main" id="{65B9977E-75B7-4499-895F-4FBB6512A070}"/>
+              </a:ext>
+            </a:extLst>
+          </p:cNvPr>
+          <p:cNvSpPr>
+            <a:spLocks noGrp="1"/>
+          </p:cNvSpPr>
+          <p:nvPr>
+            <p:ph type="title"/>
+          </p:nvPr>
+        </p:nvSpPr>
+        <p:spPr/>
+        <p:txBody>
+          <a:bodyPr/>
+          <a:lstStyle/>
+          <a:p>
+            <a:r>
+              <a:rPr lang="ru-RU" dirty="0"/>
+              <a:t>Код элемента</a:t>
+            </a:r>
+            <a:endParaRPr lang="ru-KZ" dirty="0"/>
+          </a:p>
+        </p:txBody>
+      </p:sp>
+      <p:pic>
+        <p:nvPicPr>
+          <p:cNvPr id="5" name="Content Placeholder 4">
+            <a:extLst>
+              <a:ext uri="{FF2B5EF4-FFF2-40B4-BE49-F238E27FC236}">
+                <a16:creationId xmlns:a16="http://schemas.microsoft.com/office/drawing/2014/main" id="{5E698BD3-87CB-4992-889A-CE244632CECE}"/>
+              </a:ext>
+            </a:extLst>
+          </p:cNvPr>
+          <p:cNvPicPr>
+            <a:picLocks noGrp="1" noChangeAspect="1"/>
+          </p:cNvPicPr>
+          <p:nvPr>
+            <p:ph idx="1"/>
+          </p:nvPr>
+        </p:nvPicPr>
+        <p:blipFill>
+          <a:blip r:embed="rId2"/>
+          <a:stretch>
+            <a:fillRect/>
+          </a:stretch>
+        </p:blipFill>
+        <p:spPr>
+          <a:xfrm>
+            <a:off x="3919538" y="1569895"/>
+            <a:ext cx="7315200" cy="4352152"/>
+          </a:xfrm>
+        </p:spPr>
+      </p:pic>
+      <p:sp>
+        <p:nvSpPr>
+          <p:cNvPr id="7" name="TextBox 6">
+            <a:extLst>
+              <a:ext uri="{FF2B5EF4-FFF2-40B4-BE49-F238E27FC236}">
+                <a16:creationId xmlns:a16="http://schemas.microsoft.com/office/drawing/2014/main" id="{9C5DFFF2-F6B8-435E-A07F-C49C13E55BA8}"/>
+              </a:ext>
+            </a:extLst>
+          </p:cNvPr>
+          <p:cNvSpPr txBox="1"/>
+          <p:nvPr/>
+        </p:nvSpPr>
+        <p:spPr>
+          <a:xfrm>
+            <a:off x="3989917" y="935953"/>
+            <a:ext cx="6100232" cy="369332"/>
+          </a:xfrm>
+          <a:prstGeom prst="rect">
+            <a:avLst/>
+          </a:prstGeom>
+          <a:noFill/>
+        </p:spPr>
+        <p:txBody>
+          <a:bodyPr wrap="square">
+            <a:spAutoFit/>
+          </a:bodyPr>
+          <a:lstStyle/>
+          <a:p>
+            <a:r>
+              <a:rPr lang="ru-KZ" dirty="0">
+                <a:hlinkClick r:id="rId3"/>
+              </a:rPr>
+              <a:t>https://learn.javascript.ru/article/dom-nodes/elks.html</a:t>
+            </a:r>
+            <a:endParaRPr lang="ru-KZ" dirty="0"/>
+          </a:p>
+        </p:txBody>
+      </p:sp>
+    </p:spTree>
+    <p:extLst>
+      <p:ext uri="{BB962C8B-B14F-4D97-AF65-F5344CB8AC3E}">
+        <p14:creationId xmlns:p14="http://schemas.microsoft.com/office/powerpoint/2010/main" val="3138907250"/>
+      </p:ext>
+    </p:extLst>
+  </p:cSld>
+  <p:clrMapOvr>
+    <a:masterClrMapping/>
+  </p:clrMapOvr>
+</p:sld>
+</file>
+
+<file path=ppt/slides/slide6.xml><?xml version="1.0" encoding="utf-8"?>
+<p:sld xmlns:a="http://schemas.openxmlformats.org/drawingml/2006/main" xmlns:r="http://schemas.openxmlformats.org/officeDocument/2006/relationships" xmlns:p="http://schemas.openxmlformats.org/presentationml/2006/main">
+  <p:cSld>
+    <p:spTree>
+      <p:nvGrpSpPr>
+        <p:cNvPr id="1" name=""/>
+        <p:cNvGrpSpPr/>
+        <p:nvPr/>
+      </p:nvGrpSpPr>
+      <p:grpSpPr>
+        <a:xfrm>
+          <a:off x="0" y="0"/>
+          <a:ext cx="0" cy="0"/>
+          <a:chOff x="0" y="0"/>
+          <a:chExt cx="0" cy="0"/>
+        </a:xfrm>
+      </p:grpSpPr>
+      <p:sp>
+        <p:nvSpPr>
+          <p:cNvPr id="2" name="Title 1">
+            <a:extLst>
+              <a:ext uri="{FF2B5EF4-FFF2-40B4-BE49-F238E27FC236}">
                 <a16:creationId xmlns:a16="http://schemas.microsoft.com/office/drawing/2014/main" id="{4760E1CB-89F8-4503-B106-A0BA99B110DD}"/>
               </a:ext>
             </a:extLst>
@@ -8699,7 +8983,7 @@
 </p:sld>
 </file>
 
-<file path=ppt/slides/slide6.xml><?xml version="1.0" encoding="utf-8"?>
+<file path=ppt/slides/slide7.xml><?xml version="1.0" encoding="utf-8"?>
 <p:sld xmlns:a="http://schemas.openxmlformats.org/drawingml/2006/main" xmlns:r="http://schemas.openxmlformats.org/officeDocument/2006/relationships" xmlns:p="http://schemas.openxmlformats.org/presentationml/2006/main">
   <p:cSld>
     <p:spTree>
@@ -8776,7 +9060,7 @@
 </p:sld>
 </file>
 
-<file path=ppt/slides/slide7.xml><?xml version="1.0" encoding="utf-8"?>
+<file path=ppt/slides/slide8.xml><?xml version="1.0" encoding="utf-8"?>
 <p:sld xmlns:a="http://schemas.openxmlformats.org/drawingml/2006/main" xmlns:r="http://schemas.openxmlformats.org/officeDocument/2006/relationships" xmlns:p="http://schemas.openxmlformats.org/presentationml/2006/main">
   <p:cSld>
     <p:spTree>
@@ -8936,7 +9220,7 @@
 </p:sld>
 </file>
 
-<file path=ppt/slides/slide8.xml><?xml version="1.0" encoding="utf-8"?>
+<file path=ppt/slides/slide9.xml><?xml version="1.0" encoding="utf-8"?>
 <p:sld xmlns:a="http://schemas.openxmlformats.org/drawingml/2006/main" xmlns:r="http://schemas.openxmlformats.org/officeDocument/2006/relationships" xmlns:p="http://schemas.openxmlformats.org/presentationml/2006/main">
   <p:cSld>
     <p:spTree>
@@ -9058,163 +9342,6 @@
     <p:extLst>
       <p:ext uri="{BB962C8B-B14F-4D97-AF65-F5344CB8AC3E}">
         <p14:creationId xmlns:p14="http://schemas.microsoft.com/office/powerpoint/2010/main" val="3649937273"/>
-      </p:ext>
-    </p:extLst>
-  </p:cSld>
-  <p:clrMapOvr>
-    <a:masterClrMapping/>
-  </p:clrMapOvr>
-</p:sld>
-</file>
-
-<file path=ppt/slides/slide9.xml><?xml version="1.0" encoding="utf-8"?>
-<p:sld xmlns:a="http://schemas.openxmlformats.org/drawingml/2006/main" xmlns:r="http://schemas.openxmlformats.org/officeDocument/2006/relationships" xmlns:p="http://schemas.openxmlformats.org/presentationml/2006/main">
-  <p:cSld>
-    <p:spTree>
-      <p:nvGrpSpPr>
-        <p:cNvPr id="1" name=""/>
-        <p:cNvGrpSpPr/>
-        <p:nvPr/>
-      </p:nvGrpSpPr>
-      <p:grpSpPr>
-        <a:xfrm>
-          <a:off x="0" y="0"/>
-          <a:ext cx="0" cy="0"/>
-          <a:chOff x="0" y="0"/>
-          <a:chExt cx="0" cy="0"/>
-        </a:xfrm>
-      </p:grpSpPr>
-      <p:sp>
-        <p:nvSpPr>
-          <p:cNvPr id="2" name="Title 1">
-            <a:extLst>
-              <a:ext uri="{FF2B5EF4-FFF2-40B4-BE49-F238E27FC236}">
-                <a16:creationId xmlns:a16="http://schemas.microsoft.com/office/drawing/2014/main" id="{A126590F-BE0B-4029-A807-81EF111A23B0}"/>
-              </a:ext>
-            </a:extLst>
-          </p:cNvPr>
-          <p:cNvSpPr>
-            <a:spLocks noGrp="1"/>
-          </p:cNvSpPr>
-          <p:nvPr>
-            <p:ph type="title"/>
-          </p:nvPr>
-        </p:nvSpPr>
-        <p:spPr/>
-        <p:txBody>
-          <a:bodyPr/>
-          <a:lstStyle/>
-          <a:p>
-            <a:r>
-              <a:rPr lang="ru-RU" dirty="0"/>
-              <a:t>Навигация по </a:t>
-            </a:r>
-            <a:r>
-              <a:rPr lang="en-US" dirty="0"/>
-              <a:t>DOM-</a:t>
-            </a:r>
-            <a:r>
-              <a:rPr lang="ru-RU" dirty="0"/>
-              <a:t>элементам</a:t>
-            </a:r>
-            <a:br>
-              <a:rPr lang="ru-RU" dirty="0"/>
-            </a:br>
-            <a:endParaRPr lang="ru-KZ" dirty="0"/>
-          </a:p>
-        </p:txBody>
-      </p:sp>
-      <p:sp>
-        <p:nvSpPr>
-          <p:cNvPr id="3" name="Content Placeholder 2">
-            <a:extLst>
-              <a:ext uri="{FF2B5EF4-FFF2-40B4-BE49-F238E27FC236}">
-                <a16:creationId xmlns:a16="http://schemas.microsoft.com/office/drawing/2014/main" id="{1AF1C620-A559-496E-A4BD-10D5F5DBB6D6}"/>
-              </a:ext>
-            </a:extLst>
-          </p:cNvPr>
-          <p:cNvSpPr>
-            <a:spLocks noGrp="1"/>
-          </p:cNvSpPr>
-          <p:nvPr>
-            <p:ph idx="1"/>
-          </p:nvPr>
-        </p:nvSpPr>
-        <p:spPr>
-          <a:xfrm>
-            <a:off x="3823086" y="951645"/>
-            <a:ext cx="7315200" cy="4945565"/>
-          </a:xfrm>
-        </p:spPr>
-        <p:txBody>
-          <a:bodyPr>
-            <a:normAutofit/>
-          </a:bodyPr>
-          <a:lstStyle/>
-          <a:p>
-            <a:r>
-              <a:rPr lang="ru-RU" dirty="0"/>
-              <a:t>DOM позволяет нам делать что угодно с элементами и их содержимым, но для начала нужно получить соответствующий DOM-объект.</a:t>
-            </a:r>
-          </a:p>
-          <a:p>
-            <a:r>
-              <a:rPr lang="ru-RU" dirty="0"/>
-              <a:t>Все операции с DOM начинаются с объекта document. Это главная «точка входа» в DOM. Из него мы можем получить доступ к любому узлу.</a:t>
-            </a:r>
-          </a:p>
-          <a:p>
-            <a:endParaRPr lang="ru-RU" dirty="0"/>
-          </a:p>
-          <a:p>
-            <a:r>
-              <a:rPr lang="ru-RU" dirty="0"/>
-              <a:t>Самые верхние элементы дерева доступны как свойства объекта </a:t>
-            </a:r>
-            <a:r>
-              <a:rPr lang="en-US" b="1" dirty="0"/>
-              <a:t>document:</a:t>
-            </a:r>
-          </a:p>
-          <a:p>
-            <a:r>
-              <a:rPr lang="en-US" b="1" dirty="0"/>
-              <a:t>&lt;html&gt; = </a:t>
-            </a:r>
-            <a:r>
-              <a:rPr lang="en-US" b="1" dirty="0" err="1"/>
-              <a:t>document.documentElement</a:t>
-            </a:r>
-            <a:endParaRPr lang="en-US" b="1" dirty="0"/>
-          </a:p>
-          <a:p>
-            <a:r>
-              <a:rPr lang="en-US" b="1" dirty="0"/>
-              <a:t>&lt;body&gt; = </a:t>
-            </a:r>
-            <a:r>
-              <a:rPr lang="en-US" b="1" dirty="0" err="1"/>
-              <a:t>document.body</a:t>
-            </a:r>
-            <a:endParaRPr lang="en-US" b="1" dirty="0"/>
-          </a:p>
-          <a:p>
-            <a:r>
-              <a:rPr lang="en-US" b="1" dirty="0"/>
-              <a:t>&lt;head&gt; = </a:t>
-            </a:r>
-            <a:r>
-              <a:rPr lang="en-US" b="1" dirty="0" err="1"/>
-              <a:t>document.head</a:t>
-            </a:r>
-            <a:endParaRPr lang="en-US" b="1" dirty="0"/>
-          </a:p>
-        </p:txBody>
-      </p:sp>
-    </p:spTree>
-    <p:extLst>
-      <p:ext uri="{BB962C8B-B14F-4D97-AF65-F5344CB8AC3E}">
-        <p14:creationId xmlns:p14="http://schemas.microsoft.com/office/powerpoint/2010/main" val="1823023045"/>
       </p:ext>
     </p:extLst>
   </p:cSld>
